--- a/Hackathon_EV_Readme.pptx
+++ b/Hackathon_EV_Readme.pptx
@@ -13,8 +13,8 @@
     <p:sldId id="258" r:id="rId4"/>
     <p:sldId id="265" r:id="rId5"/>
     <p:sldId id="260" r:id="rId6"/>
-    <p:sldId id="262" r:id="rId7"/>
-    <p:sldId id="266" r:id="rId8"/>
+    <p:sldId id="266" r:id="rId7"/>
+    <p:sldId id="262" r:id="rId8"/>
     <p:sldId id="263" r:id="rId9"/>
     <p:sldId id="264" r:id="rId10"/>
   </p:sldIdLst>
@@ -123,6 +123,42 @@
 </p:presentation>
 </file>
 
+<file path=ppt/changesInfos/changesInfo1.xml><?xml version="1.0" encoding="utf-8"?>
+<pc:chgInfo xmlns:a="http://schemas.openxmlformats.org/drawingml/2006/main" xmlns:r="http://schemas.openxmlformats.org/officeDocument/2006/relationships" xmlns:ac="http://schemas.microsoft.com/office/drawing/2013/main/command" xmlns:pc="http://schemas.microsoft.com/office/powerpoint/2013/main/command">
+  <pc:docChgLst>
+    <pc:chgData name="sujith nambiar" userId="b3c3311be50ae273" providerId="LiveId" clId="{926A4EA7-D0DF-4E50-AF84-24F0C93E9D79}"/>
+    <pc:docChg chg="custSel modSld sldOrd">
+      <pc:chgData name="sujith nambiar" userId="b3c3311be50ae273" providerId="LiveId" clId="{926A4EA7-D0DF-4E50-AF84-24F0C93E9D79}" dt="2023-09-29T04:43:30.880" v="210"/>
+      <pc:docMkLst>
+        <pc:docMk/>
+      </pc:docMkLst>
+      <pc:sldChg chg="modSp mod">
+        <pc:chgData name="sujith nambiar" userId="b3c3311be50ae273" providerId="LiveId" clId="{926A4EA7-D0DF-4E50-AF84-24F0C93E9D79}" dt="2023-09-29T04:43:16.326" v="208" actId="20577"/>
+        <pc:sldMkLst>
+          <pc:docMk/>
+          <pc:sldMk cId="3215776885" sldId="258"/>
+        </pc:sldMkLst>
+        <pc:spChg chg="mod">
+          <ac:chgData name="sujith nambiar" userId="b3c3311be50ae273" providerId="LiveId" clId="{926A4EA7-D0DF-4E50-AF84-24F0C93E9D79}" dt="2023-09-29T04:43:16.326" v="208" actId="20577"/>
+          <ac:spMkLst>
+            <pc:docMk/>
+            <pc:sldMk cId="3215776885" sldId="258"/>
+            <ac:spMk id="3" creationId="{BE7F68B9-01C1-C808-CEB8-BCADFEB49486}"/>
+          </ac:spMkLst>
+        </pc:spChg>
+      </pc:sldChg>
+      <pc:sldChg chg="ord">
+        <pc:chgData name="sujith nambiar" userId="b3c3311be50ae273" providerId="LiveId" clId="{926A4EA7-D0DF-4E50-AF84-24F0C93E9D79}" dt="2023-09-29T04:43:30.880" v="210"/>
+        <pc:sldMkLst>
+          <pc:docMk/>
+          <pc:sldMk cId="60574137" sldId="266"/>
+        </pc:sldMkLst>
+      </pc:sldChg>
+    </pc:docChg>
+  </pc:docChgLst>
+</pc:chgInfo>
+</file>
+
 <file path=ppt/notesMasters/notesMaster1.xml><?xml version="1.0" encoding="utf-8"?>
 <p:notesMaster xmlns:a="http://schemas.openxmlformats.org/drawingml/2006/main" xmlns:r="http://schemas.openxmlformats.org/officeDocument/2006/relationships" xmlns:p="http://schemas.openxmlformats.org/presentationml/2006/main">
   <p:cSld>
@@ -205,7 +241,7 @@
           <a:p>
             <a:fld id="{D075F5E8-C09F-DC4A-B55D-86488FD69513}" type="datetimeFigureOut">
               <a:rPr lang="en-US" smtClean="0"/>
-              <a:t>9/28/23</a:t>
+              <a:t>9/28/2023</a:t>
             </a:fld>
             <a:endParaRPr lang="en-US"/>
           </a:p>
@@ -904,7 +940,7 @@
           <a:p>
             <a:fld id="{3CADBD16-5BFB-4D9F-9646-C75D1B53BBB6}" type="datetimeFigureOut">
               <a:rPr lang="en-US" smtClean="0"/>
-              <a:t>9/28/23</a:t>
+              <a:t>9/28/2023</a:t>
             </a:fld>
             <a:endParaRPr lang="en-US"/>
           </a:p>
@@ -1145,7 +1181,7 @@
           <a:p>
             <a:fld id="{3CADBD16-5BFB-4D9F-9646-C75D1B53BBB6}" type="datetimeFigureOut">
               <a:rPr lang="en-US" smtClean="0"/>
-              <a:t>9/28/23</a:t>
+              <a:t>9/28/2023</a:t>
             </a:fld>
             <a:endParaRPr lang="en-US"/>
           </a:p>
@@ -1353,7 +1389,7 @@
           <a:p>
             <a:fld id="{3CADBD16-5BFB-4D9F-9646-C75D1B53BBB6}" type="datetimeFigureOut">
               <a:rPr lang="en-US" smtClean="0"/>
-              <a:t>9/28/23</a:t>
+              <a:t>9/28/2023</a:t>
             </a:fld>
             <a:endParaRPr lang="en-US"/>
           </a:p>
@@ -1551,7 +1587,7 @@
           <a:p>
             <a:fld id="{3CADBD16-5BFB-4D9F-9646-C75D1B53BBB6}" type="datetimeFigureOut">
               <a:rPr lang="en-US" smtClean="0"/>
-              <a:t>9/28/23</a:t>
+              <a:t>9/28/2023</a:t>
             </a:fld>
             <a:endParaRPr lang="en-US"/>
           </a:p>
@@ -1828,7 +1864,7 @@
           <a:p>
             <a:fld id="{3CADBD16-5BFB-4D9F-9646-C75D1B53BBB6}" type="datetimeFigureOut">
               <a:rPr lang="en-US" smtClean="0"/>
-              <a:t>9/28/23</a:t>
+              <a:t>9/28/2023</a:t>
             </a:fld>
             <a:endParaRPr lang="en-US"/>
           </a:p>
@@ -2093,7 +2129,7 @@
           <a:p>
             <a:fld id="{3CADBD16-5BFB-4D9F-9646-C75D1B53BBB6}" type="datetimeFigureOut">
               <a:rPr lang="en-US" smtClean="0"/>
-              <a:t>9/28/23</a:t>
+              <a:t>9/28/2023</a:t>
             </a:fld>
             <a:endParaRPr lang="en-US"/>
           </a:p>
@@ -2509,7 +2545,7 @@
           <a:p>
             <a:fld id="{3CADBD16-5BFB-4D9F-9646-C75D1B53BBB6}" type="datetimeFigureOut">
               <a:rPr lang="en-US" smtClean="0"/>
-              <a:t>9/28/23</a:t>
+              <a:t>9/28/2023</a:t>
             </a:fld>
             <a:endParaRPr lang="en-US"/>
           </a:p>
@@ -2659,7 +2695,7 @@
           <a:p>
             <a:fld id="{3CADBD16-5BFB-4D9F-9646-C75D1B53BBB6}" type="datetimeFigureOut">
               <a:rPr lang="en-US" smtClean="0"/>
-              <a:t>9/28/23</a:t>
+              <a:t>9/28/2023</a:t>
             </a:fld>
             <a:endParaRPr lang="en-US"/>
           </a:p>
@@ -2772,7 +2808,7 @@
           <a:p>
             <a:fld id="{3CADBD16-5BFB-4D9F-9646-C75D1B53BBB6}" type="datetimeFigureOut">
               <a:rPr lang="en-US" smtClean="0"/>
-              <a:t>9/28/23</a:t>
+              <a:t>9/28/2023</a:t>
             </a:fld>
             <a:endParaRPr lang="en-US"/>
           </a:p>
@@ -3088,7 +3124,7 @@
           <a:p>
             <a:fld id="{3CADBD16-5BFB-4D9F-9646-C75D1B53BBB6}" type="datetimeFigureOut">
               <a:rPr lang="en-US" smtClean="0"/>
-              <a:t>9/28/23</a:t>
+              <a:t>9/28/2023</a:t>
             </a:fld>
             <a:endParaRPr lang="en-US"/>
           </a:p>
@@ -3339,7 +3375,7 @@
           <a:p>
             <a:fld id="{3CADBD16-5BFB-4D9F-9646-C75D1B53BBB6}" type="datetimeFigureOut">
               <a:rPr lang="en-US" smtClean="0"/>
-              <a:t>9/28/23</a:t>
+              <a:t>9/28/2023</a:t>
             </a:fld>
             <a:endParaRPr lang="en-US"/>
           </a:p>
@@ -3848,7 +3884,7 @@
             <a:fld id="{3CADBD16-5BFB-4D9F-9646-C75D1B53BBB6}" type="datetimeFigureOut">
               <a:rPr lang="en-US" smtClean="0"/>
               <a:pPr/>
-              <a:t>9/28/23</a:t>
+              <a:t>9/28/2023</a:t>
             </a:fld>
             <a:endParaRPr lang="en-US" dirty="0"/>
           </a:p>
@@ -5121,6 +5157,18 @@
           <a:p>
             <a:r>
               <a:rPr lang="en-US" dirty="0"/>
+              <a:t>Only 1 Reservation per day</a:t>
+            </a:r>
+          </a:p>
+          <a:p>
+            <a:r>
+              <a:rPr lang="en-US" dirty="0"/>
+              <a:t>You can only prebook for Today and not future dates so its available for Everyone</a:t>
+            </a:r>
+          </a:p>
+          <a:p>
+            <a:r>
+              <a:rPr lang="en-US" dirty="0"/>
               <a:t>No more than 2 hours of reservation is allowed</a:t>
             </a:r>
           </a:p>
@@ -5128,6 +5176,12 @@
             <a:r>
               <a:rPr lang="en-US" dirty="0"/>
               <a:t>A confirmation notification to be sent when EV Station Booked</a:t>
+            </a:r>
+          </a:p>
+          <a:p>
+            <a:r>
+              <a:rPr lang="en-US" dirty="0"/>
+              <a:t>Future State – Hourly reminders before the EV Station Charging End Time</a:t>
             </a:r>
           </a:p>
         </p:txBody>
@@ -6483,6 +6537,133 @@
 <file path=ppt/slides/slide6.xml><?xml version="1.0" encoding="utf-8"?>
 <p:sld xmlns:a="http://schemas.openxmlformats.org/drawingml/2006/main" xmlns:r="http://schemas.openxmlformats.org/officeDocument/2006/relationships" xmlns:p="http://schemas.openxmlformats.org/presentationml/2006/main">
   <p:cSld>
+    <p:spTree>
+      <p:nvGrpSpPr>
+        <p:cNvPr id="1" name=""/>
+        <p:cNvGrpSpPr/>
+        <p:nvPr/>
+      </p:nvGrpSpPr>
+      <p:grpSpPr>
+        <a:xfrm>
+          <a:off x="0" y="0"/>
+          <a:ext cx="0" cy="0"/>
+          <a:chOff x="0" y="0"/>
+          <a:chExt cx="0" cy="0"/>
+        </a:xfrm>
+      </p:grpSpPr>
+      <p:sp>
+        <p:nvSpPr>
+          <p:cNvPr id="2" name="Title 1">
+            <a:extLst>
+              <a:ext uri="{FF2B5EF4-FFF2-40B4-BE49-F238E27FC236}">
+                <a16:creationId xmlns:a16="http://schemas.microsoft.com/office/drawing/2014/main" id="{25FCBD66-9E6A-3048-188B-A813A63C4F92}"/>
+              </a:ext>
+            </a:extLst>
+          </p:cNvPr>
+          <p:cNvSpPr>
+            <a:spLocks noGrp="1"/>
+          </p:cNvSpPr>
+          <p:nvPr>
+            <p:ph type="title"/>
+          </p:nvPr>
+        </p:nvSpPr>
+        <p:spPr/>
+        <p:txBody>
+          <a:bodyPr/>
+          <a:lstStyle/>
+          <a:p>
+            <a:endParaRPr lang="en-US"/>
+          </a:p>
+        </p:txBody>
+      </p:sp>
+      <p:sp>
+        <p:nvSpPr>
+          <p:cNvPr id="3" name="Content Placeholder 2">
+            <a:extLst>
+              <a:ext uri="{FF2B5EF4-FFF2-40B4-BE49-F238E27FC236}">
+                <a16:creationId xmlns:a16="http://schemas.microsoft.com/office/drawing/2014/main" id="{A53265CE-6B6C-20C3-E304-8F202FCA2139}"/>
+              </a:ext>
+            </a:extLst>
+          </p:cNvPr>
+          <p:cNvSpPr>
+            <a:spLocks noGrp="1"/>
+          </p:cNvSpPr>
+          <p:nvPr>
+            <p:ph idx="1"/>
+          </p:nvPr>
+        </p:nvSpPr>
+        <p:spPr/>
+        <p:txBody>
+          <a:bodyPr/>
+          <a:lstStyle/>
+          <a:p>
+            <a:endParaRPr lang="en-US"/>
+          </a:p>
+        </p:txBody>
+      </p:sp>
+      <p:pic>
+        <p:nvPicPr>
+          <p:cNvPr id="3074" name="Picture 2">
+            <a:extLst>
+              <a:ext uri="{FF2B5EF4-FFF2-40B4-BE49-F238E27FC236}">
+                <a16:creationId xmlns:a16="http://schemas.microsoft.com/office/drawing/2014/main" id="{A845E917-DA9D-D5D3-4F50-A54C1E16BE23}"/>
+              </a:ext>
+            </a:extLst>
+          </p:cNvPr>
+          <p:cNvPicPr>
+            <a:picLocks noChangeAspect="1" noChangeArrowheads="1"/>
+          </p:cNvPicPr>
+          <p:nvPr/>
+        </p:nvPicPr>
+        <p:blipFill>
+          <a:blip r:embed="rId2">
+            <a:extLst>
+              <a:ext uri="{28A0092B-C50C-407E-A947-70E740481C1C}">
+                <a14:useLocalDpi xmlns:a14="http://schemas.microsoft.com/office/drawing/2010/main" val="0"/>
+              </a:ext>
+            </a:extLst>
+          </a:blip>
+          <a:srcRect/>
+          <a:stretch>
+            <a:fillRect/>
+          </a:stretch>
+        </p:blipFill>
+        <p:spPr bwMode="auto">
+          <a:xfrm>
+            <a:off x="30163" y="0"/>
+            <a:ext cx="12131675" cy="6858000"/>
+          </a:xfrm>
+          <a:prstGeom prst="rect">
+            <a:avLst/>
+          </a:prstGeom>
+          <a:noFill/>
+          <a:extLst>
+            <a:ext uri="{909E8E84-426E-40DD-AFC4-6F175D3DCCD1}">
+              <a14:hiddenFill xmlns:a14="http://schemas.microsoft.com/office/drawing/2010/main">
+                <a:solidFill>
+                  <a:srgbClr val="FFFFFF"/>
+                </a:solidFill>
+              </a14:hiddenFill>
+            </a:ext>
+          </a:extLst>
+        </p:spPr>
+      </p:pic>
+    </p:spTree>
+    <p:extLst>
+      <p:ext uri="{BB962C8B-B14F-4D97-AF65-F5344CB8AC3E}">
+        <p14:creationId xmlns:p14="http://schemas.microsoft.com/office/powerpoint/2010/main" val="60574137"/>
+      </p:ext>
+    </p:extLst>
+  </p:cSld>
+  <p:clrMapOvr>
+    <a:masterClrMapping/>
+  </p:clrMapOvr>
+</p:sld>
+</file>
+
+<file path=ppt/slides/slide7.xml><?xml version="1.0" encoding="utf-8"?>
+<p:sld xmlns:a="http://schemas.openxmlformats.org/drawingml/2006/main" xmlns:r="http://schemas.openxmlformats.org/officeDocument/2006/relationships" xmlns:p="http://schemas.openxmlformats.org/presentationml/2006/main">
+  <p:cSld>
     <p:bg>
       <p:bgPr>
         <a:solidFill>
@@ -6630,133 +6811,6 @@
     <p:extLst>
       <p:ext uri="{BB962C8B-B14F-4D97-AF65-F5344CB8AC3E}">
         <p14:creationId xmlns:p14="http://schemas.microsoft.com/office/powerpoint/2010/main" val="3440624082"/>
-      </p:ext>
-    </p:extLst>
-  </p:cSld>
-  <p:clrMapOvr>
-    <a:masterClrMapping/>
-  </p:clrMapOvr>
-</p:sld>
-</file>
-
-<file path=ppt/slides/slide7.xml><?xml version="1.0" encoding="utf-8"?>
-<p:sld xmlns:a="http://schemas.openxmlformats.org/drawingml/2006/main" xmlns:r="http://schemas.openxmlformats.org/officeDocument/2006/relationships" xmlns:p="http://schemas.openxmlformats.org/presentationml/2006/main">
-  <p:cSld>
-    <p:spTree>
-      <p:nvGrpSpPr>
-        <p:cNvPr id="1" name=""/>
-        <p:cNvGrpSpPr/>
-        <p:nvPr/>
-      </p:nvGrpSpPr>
-      <p:grpSpPr>
-        <a:xfrm>
-          <a:off x="0" y="0"/>
-          <a:ext cx="0" cy="0"/>
-          <a:chOff x="0" y="0"/>
-          <a:chExt cx="0" cy="0"/>
-        </a:xfrm>
-      </p:grpSpPr>
-      <p:sp>
-        <p:nvSpPr>
-          <p:cNvPr id="2" name="Title 1">
-            <a:extLst>
-              <a:ext uri="{FF2B5EF4-FFF2-40B4-BE49-F238E27FC236}">
-                <a16:creationId xmlns:a16="http://schemas.microsoft.com/office/drawing/2014/main" id="{25FCBD66-9E6A-3048-188B-A813A63C4F92}"/>
-              </a:ext>
-            </a:extLst>
-          </p:cNvPr>
-          <p:cNvSpPr>
-            <a:spLocks noGrp="1"/>
-          </p:cNvSpPr>
-          <p:nvPr>
-            <p:ph type="title"/>
-          </p:nvPr>
-        </p:nvSpPr>
-        <p:spPr/>
-        <p:txBody>
-          <a:bodyPr/>
-          <a:lstStyle/>
-          <a:p>
-            <a:endParaRPr lang="en-US"/>
-          </a:p>
-        </p:txBody>
-      </p:sp>
-      <p:sp>
-        <p:nvSpPr>
-          <p:cNvPr id="3" name="Content Placeholder 2">
-            <a:extLst>
-              <a:ext uri="{FF2B5EF4-FFF2-40B4-BE49-F238E27FC236}">
-                <a16:creationId xmlns:a16="http://schemas.microsoft.com/office/drawing/2014/main" id="{A53265CE-6B6C-20C3-E304-8F202FCA2139}"/>
-              </a:ext>
-            </a:extLst>
-          </p:cNvPr>
-          <p:cNvSpPr>
-            <a:spLocks noGrp="1"/>
-          </p:cNvSpPr>
-          <p:nvPr>
-            <p:ph idx="1"/>
-          </p:nvPr>
-        </p:nvSpPr>
-        <p:spPr/>
-        <p:txBody>
-          <a:bodyPr/>
-          <a:lstStyle/>
-          <a:p>
-            <a:endParaRPr lang="en-US"/>
-          </a:p>
-        </p:txBody>
-      </p:sp>
-      <p:pic>
-        <p:nvPicPr>
-          <p:cNvPr id="3074" name="Picture 2">
-            <a:extLst>
-              <a:ext uri="{FF2B5EF4-FFF2-40B4-BE49-F238E27FC236}">
-                <a16:creationId xmlns:a16="http://schemas.microsoft.com/office/drawing/2014/main" id="{A845E917-DA9D-D5D3-4F50-A54C1E16BE23}"/>
-              </a:ext>
-            </a:extLst>
-          </p:cNvPr>
-          <p:cNvPicPr>
-            <a:picLocks noChangeAspect="1" noChangeArrowheads="1"/>
-          </p:cNvPicPr>
-          <p:nvPr/>
-        </p:nvPicPr>
-        <p:blipFill>
-          <a:blip r:embed="rId2">
-            <a:extLst>
-              <a:ext uri="{28A0092B-C50C-407E-A947-70E740481C1C}">
-                <a14:useLocalDpi xmlns:a14="http://schemas.microsoft.com/office/drawing/2010/main" val="0"/>
-              </a:ext>
-            </a:extLst>
-          </a:blip>
-          <a:srcRect/>
-          <a:stretch>
-            <a:fillRect/>
-          </a:stretch>
-        </p:blipFill>
-        <p:spPr bwMode="auto">
-          <a:xfrm>
-            <a:off x="30163" y="0"/>
-            <a:ext cx="12131675" cy="6858000"/>
-          </a:xfrm>
-          <a:prstGeom prst="rect">
-            <a:avLst/>
-          </a:prstGeom>
-          <a:noFill/>
-          <a:extLst>
-            <a:ext uri="{909E8E84-426E-40DD-AFC4-6F175D3DCCD1}">
-              <a14:hiddenFill xmlns:a14="http://schemas.microsoft.com/office/drawing/2010/main">
-                <a:solidFill>
-                  <a:srgbClr val="FFFFFF"/>
-                </a:solidFill>
-              </a14:hiddenFill>
-            </a:ext>
-          </a:extLst>
-        </p:spPr>
-      </p:pic>
-    </p:spTree>
-    <p:extLst>
-      <p:ext uri="{BB962C8B-B14F-4D97-AF65-F5344CB8AC3E}">
-        <p14:creationId xmlns:p14="http://schemas.microsoft.com/office/powerpoint/2010/main" val="60574137"/>
       </p:ext>
     </p:extLst>
   </p:cSld>
